--- a/Лекция 5.pptx
+++ b/Лекция 5.pptx
@@ -260,7 +260,7 @@
           <a:p>
             <a:fld id="{44DBC884-B382-4302-8488-D4E467EB670D}" type="datetimeFigureOut">
               <a:rPr lang="ru-RU" smtClean="0"/>
-              <a:t>15.04.2021</a:t>
+              <a:t>30.09.2021</a:t>
             </a:fld>
             <a:endParaRPr lang="ru-RU" dirty="0"/>
           </a:p>
@@ -659,7 +659,7 @@
           <a:p>
             <a:fld id="{9F4DF3D0-C105-404D-A43B-7CBA1B97B744}" type="datetimeFigureOut">
               <a:rPr lang="ru-RU" smtClean="0"/>
-              <a:t>15.04.2021</a:t>
+              <a:t>30.09.2021</a:t>
             </a:fld>
             <a:endParaRPr lang="ru-RU" dirty="0"/>
           </a:p>
@@ -829,7 +829,7 @@
           <a:p>
             <a:fld id="{9F4DF3D0-C105-404D-A43B-7CBA1B97B744}" type="datetimeFigureOut">
               <a:rPr lang="ru-RU" smtClean="0"/>
-              <a:t>15.04.2021</a:t>
+              <a:t>30.09.2021</a:t>
             </a:fld>
             <a:endParaRPr lang="ru-RU" dirty="0"/>
           </a:p>
@@ -1009,7 +1009,7 @@
           <a:p>
             <a:fld id="{9F4DF3D0-C105-404D-A43B-7CBA1B97B744}" type="datetimeFigureOut">
               <a:rPr lang="ru-RU" smtClean="0"/>
-              <a:t>15.04.2021</a:t>
+              <a:t>30.09.2021</a:t>
             </a:fld>
             <a:endParaRPr lang="ru-RU" dirty="0"/>
           </a:p>
@@ -1179,7 +1179,7 @@
           <a:p>
             <a:fld id="{9F4DF3D0-C105-404D-A43B-7CBA1B97B744}" type="datetimeFigureOut">
               <a:rPr lang="ru-RU" smtClean="0"/>
-              <a:t>15.04.2021</a:t>
+              <a:t>30.09.2021</a:t>
             </a:fld>
             <a:endParaRPr lang="ru-RU" dirty="0"/>
           </a:p>
@@ -1425,7 +1425,7 @@
           <a:p>
             <a:fld id="{9F4DF3D0-C105-404D-A43B-7CBA1B97B744}" type="datetimeFigureOut">
               <a:rPr lang="ru-RU" smtClean="0"/>
-              <a:t>15.04.2021</a:t>
+              <a:t>30.09.2021</a:t>
             </a:fld>
             <a:endParaRPr lang="ru-RU" dirty="0"/>
           </a:p>
@@ -1657,7 +1657,7 @@
           <a:p>
             <a:fld id="{9F4DF3D0-C105-404D-A43B-7CBA1B97B744}" type="datetimeFigureOut">
               <a:rPr lang="ru-RU" smtClean="0"/>
-              <a:t>15.04.2021</a:t>
+              <a:t>30.09.2021</a:t>
             </a:fld>
             <a:endParaRPr lang="ru-RU" dirty="0"/>
           </a:p>
@@ -2024,7 +2024,7 @@
           <a:p>
             <a:fld id="{9F4DF3D0-C105-404D-A43B-7CBA1B97B744}" type="datetimeFigureOut">
               <a:rPr lang="ru-RU" smtClean="0"/>
-              <a:t>15.04.2021</a:t>
+              <a:t>30.09.2021</a:t>
             </a:fld>
             <a:endParaRPr lang="ru-RU" dirty="0"/>
           </a:p>
@@ -2142,7 +2142,7 @@
           <a:p>
             <a:fld id="{9F4DF3D0-C105-404D-A43B-7CBA1B97B744}" type="datetimeFigureOut">
               <a:rPr lang="ru-RU" smtClean="0"/>
-              <a:t>15.04.2021</a:t>
+              <a:t>30.09.2021</a:t>
             </a:fld>
             <a:endParaRPr lang="ru-RU" dirty="0"/>
           </a:p>
@@ -2237,7 +2237,7 @@
           <a:p>
             <a:fld id="{9F4DF3D0-C105-404D-A43B-7CBA1B97B744}" type="datetimeFigureOut">
               <a:rPr lang="ru-RU" smtClean="0"/>
-              <a:t>15.04.2021</a:t>
+              <a:t>30.09.2021</a:t>
             </a:fld>
             <a:endParaRPr lang="ru-RU" dirty="0"/>
           </a:p>
@@ -2514,7 +2514,7 @@
           <a:p>
             <a:fld id="{9F4DF3D0-C105-404D-A43B-7CBA1B97B744}" type="datetimeFigureOut">
               <a:rPr lang="ru-RU" smtClean="0"/>
-              <a:t>15.04.2021</a:t>
+              <a:t>30.09.2021</a:t>
             </a:fld>
             <a:endParaRPr lang="ru-RU" dirty="0"/>
           </a:p>
@@ -2767,7 +2767,7 @@
           <a:p>
             <a:fld id="{9F4DF3D0-C105-404D-A43B-7CBA1B97B744}" type="datetimeFigureOut">
               <a:rPr lang="ru-RU" smtClean="0"/>
-              <a:t>15.04.2021</a:t>
+              <a:t>30.09.2021</a:t>
             </a:fld>
             <a:endParaRPr lang="ru-RU" dirty="0"/>
           </a:p>
@@ -2980,7 +2980,7 @@
           <a:p>
             <a:fld id="{9F4DF3D0-C105-404D-A43B-7CBA1B97B744}" type="datetimeFigureOut">
               <a:rPr lang="ru-RU" smtClean="0"/>
-              <a:t>15.04.2021</a:t>
+              <a:t>30.09.2021</a:t>
             </a:fld>
             <a:endParaRPr lang="ru-RU" dirty="0"/>
           </a:p>
@@ -13642,8 +13642,8 @@
           </a:p>
         </p:txBody>
       </p:sp>
-      <mc:AlternateContent xmlns:mc="http://schemas.openxmlformats.org/markup-compatibility/2006" xmlns:a14="http://schemas.microsoft.com/office/drawing/2010/main">
-        <mc:Choice Requires="a14">
+      <mc:AlternateContent xmlns:mc="http://schemas.openxmlformats.org/markup-compatibility/2006">
+        <mc:Choice xmlns:a14="http://schemas.microsoft.com/office/drawing/2010/main" Requires="a14">
           <p:sp>
             <p:nvSpPr>
               <p:cNvPr id="3" name="Объект 2"/>
@@ -13773,7 +13773,13 @@
                         <a:rPr lang="en-US" b="0" i="1" smtClean="0">
                           <a:latin typeface="Cambria Math" panose="02040503050406030204" pitchFamily="18" charset="0"/>
                         </a:rPr>
-                        <m:t>=0</m:t>
+                        <m:t>=</m:t>
+                      </m:r>
+                      <m:r>
+                        <a:rPr lang="en-US" b="0" i="1" smtClean="0">
+                          <a:latin typeface="Cambria Math" panose="02040503050406030204" pitchFamily="18" charset="0"/>
+                        </a:rPr>
+                        <m:t>1</m:t>
                       </m:r>
                     </m:oMath>
                   </m:oMathPara>
@@ -13893,7 +13899,13 @@
                         <a:rPr lang="en-US" b="0" i="1" smtClean="0">
                           <a:latin typeface="Cambria Math" panose="02040503050406030204" pitchFamily="18" charset="0"/>
                         </a:rPr>
-                        <m:t>=1</m:t>
+                        <m:t>=</m:t>
+                      </m:r>
+                      <m:r>
+                        <a:rPr lang="en-US" b="0" i="1" smtClean="0">
+                          <a:latin typeface="Cambria Math" panose="02040503050406030204" pitchFamily="18" charset="0"/>
+                        </a:rPr>
+                        <m:t>2</m:t>
                       </m:r>
                     </m:oMath>
                   </m:oMathPara>
@@ -14019,7 +14031,13 @@
                         <a:rPr lang="en-US" b="0" i="1" smtClean="0">
                           <a:latin typeface="Cambria Math" panose="02040503050406030204" pitchFamily="18" charset="0"/>
                         </a:rPr>
-                        <m:t>=1</m:t>
+                        <m:t>=</m:t>
+                      </m:r>
+                      <m:r>
+                        <a:rPr lang="en-US" b="0" i="1" smtClean="0">
+                          <a:latin typeface="Cambria Math" panose="02040503050406030204" pitchFamily="18" charset="0"/>
+                        </a:rPr>
+                        <m:t>2</m:t>
                       </m:r>
                     </m:oMath>
                   </m:oMathPara>
@@ -14063,7 +14081,7 @@
                           <a:rPr lang="en-US" b="0" i="1" smtClean="0">
                             <a:latin typeface="Cambria Math" panose="02040503050406030204" pitchFamily="18" charset="0"/>
                           </a:rPr>
-                          <m:t>0</m:t>
+                          <m:t>1</m:t>
                         </m:r>
                       </m:sub>
                     </m:sSub>
@@ -14071,7 +14089,19 @@
                       <a:rPr lang="en-US" b="0" i="1" smtClean="0">
                         <a:latin typeface="Cambria Math" panose="02040503050406030204" pitchFamily="18" charset="0"/>
                       </a:rPr>
-                      <m:t>=0, </m:t>
+                      <m:t>=</m:t>
+                    </m:r>
+                    <m:r>
+                      <a:rPr lang="en-US" b="0" i="1" smtClean="0">
+                        <a:latin typeface="Cambria Math" panose="02040503050406030204" pitchFamily="18" charset="0"/>
+                      </a:rPr>
+                      <m:t>1</m:t>
+                    </m:r>
+                    <m:r>
+                      <a:rPr lang="en-US" b="0" i="1" smtClean="0">
+                        <a:latin typeface="Cambria Math" panose="02040503050406030204" pitchFamily="18" charset="0"/>
+                      </a:rPr>
+                      <m:t>, </m:t>
                     </m:r>
                     <m:sSub>
                       <m:sSubPr>
@@ -14094,7 +14124,7 @@
                           <a:rPr lang="en-US" b="0" i="1" smtClean="0">
                             <a:latin typeface="Cambria Math" panose="02040503050406030204" pitchFamily="18" charset="0"/>
                           </a:rPr>
-                          <m:t>1</m:t>
+                          <m:t>2</m:t>
                         </m:r>
                       </m:sub>
                     </m:sSub>
@@ -14102,7 +14132,13 @@
                       <a:rPr lang="en-US" b="0" i="1" smtClean="0">
                         <a:latin typeface="Cambria Math" panose="02040503050406030204" pitchFamily="18" charset="0"/>
                       </a:rPr>
-                      <m:t>=1</m:t>
+                      <m:t>=</m:t>
+                    </m:r>
+                    <m:r>
+                      <a:rPr lang="en-US" b="0" i="1" smtClean="0">
+                        <a:latin typeface="Cambria Math" panose="02040503050406030204" pitchFamily="18" charset="0"/>
+                      </a:rPr>
+                      <m:t>2</m:t>
                     </m:r>
                   </m:oMath>
                 </a14:m>
@@ -14206,7 +14242,7 @@
             </p:txBody>
           </p:sp>
         </mc:Choice>
-        <mc:Fallback xmlns="">
+        <mc:Fallback>
           <p:sp>
             <p:nvSpPr>
               <p:cNvPr id="3" name="Объект 2"/>
@@ -14292,8 +14328,8 @@
           </a:p>
         </p:txBody>
       </p:sp>
-      <mc:AlternateContent xmlns:mc="http://schemas.openxmlformats.org/markup-compatibility/2006" xmlns:a14="http://schemas.microsoft.com/office/drawing/2010/main">
-        <mc:Choice Requires="a14">
+      <mc:AlternateContent xmlns:mc="http://schemas.openxmlformats.org/markup-compatibility/2006">
+        <mc:Choice xmlns:a14="http://schemas.microsoft.com/office/drawing/2010/main" Requires="a14">
           <p:sp>
             <p:nvSpPr>
               <p:cNvPr id="3" name="Объект 2"/>
@@ -14403,7 +14439,7 @@
                             <a:rPr lang="en-US" b="0" i="1" smtClean="0">
                               <a:latin typeface="Cambria Math" panose="02040503050406030204" pitchFamily="18" charset="0"/>
                             </a:rPr>
-                            <m:t>0</m:t>
+                            <m:t>1</m:t>
                           </m:r>
                         </m:sub>
                       </m:sSub>
@@ -14434,7 +14470,7 @@
                             <a:rPr lang="en-US" b="0" i="1" smtClean="0">
                               <a:latin typeface="Cambria Math" panose="02040503050406030204" pitchFamily="18" charset="0"/>
                             </a:rPr>
-                            <m:t>1</m:t>
+                            <m:t>2</m:t>
                           </m:r>
                         </m:sub>
                       </m:sSub>
@@ -14517,7 +14553,7 @@
             </p:txBody>
           </p:sp>
         </mc:Choice>
-        <mc:Fallback xmlns="">
+        <mc:Fallback>
           <p:sp>
             <p:nvSpPr>
               <p:cNvPr id="3" name="Объект 2"/>
@@ -14603,8 +14639,8 @@
           </a:p>
         </p:txBody>
       </p:sp>
-      <mc:AlternateContent xmlns:mc="http://schemas.openxmlformats.org/markup-compatibility/2006" xmlns:a14="http://schemas.microsoft.com/office/drawing/2010/main">
-        <mc:Choice Requires="a14">
+      <mc:AlternateContent xmlns:mc="http://schemas.openxmlformats.org/markup-compatibility/2006">
+        <mc:Choice xmlns:a14="http://schemas.microsoft.com/office/drawing/2010/main" Requires="a14">
           <p:sp>
             <p:nvSpPr>
               <p:cNvPr id="3" name="Объект 2"/>
@@ -14717,10 +14753,10 @@
                                 <m:t>𝑚</m:t>
                               </m:r>
                               <m:r>
-                                <a:rPr lang="ru-RU" b="0" i="1" smtClean="0">
+                                <a:rPr lang="en-US" b="0" i="1" smtClean="0">
                                   <a:latin typeface="Cambria Math" panose="02040503050406030204" pitchFamily="18" charset="0"/>
                                 </a:rPr>
-                                <m:t>0</m:t>
+                                <m:t>1</m:t>
                               </m:r>
                             </m:sub>
                           </m:sSub>
@@ -14816,10 +14852,10 @@
                                 <m:t>𝑚</m:t>
                               </m:r>
                               <m:r>
-                                <a:rPr lang="ru-RU" b="0" i="1" smtClean="0">
+                                <a:rPr lang="en-US" b="0" i="1" smtClean="0">
                                   <a:latin typeface="Cambria Math" panose="02040503050406030204" pitchFamily="18" charset="0"/>
                                 </a:rPr>
-                                <m:t>1</m:t>
+                                <m:t>2</m:t>
                               </m:r>
                             </m:sub>
                           </m:sSub>
@@ -14857,7 +14893,7 @@
             </p:txBody>
           </p:sp>
         </mc:Choice>
-        <mc:Fallback xmlns="">
+        <mc:Fallback>
           <p:sp>
             <p:nvSpPr>
               <p:cNvPr id="3" name="Объект 2"/>
@@ -15135,8 +15171,8 @@
           </a:p>
         </p:txBody>
       </p:sp>
-      <mc:AlternateContent xmlns:mc="http://schemas.openxmlformats.org/markup-compatibility/2006" xmlns:a14="http://schemas.microsoft.com/office/drawing/2010/main">
-        <mc:Choice Requires="a14">
+      <mc:AlternateContent xmlns:mc="http://schemas.openxmlformats.org/markup-compatibility/2006">
+        <mc:Choice xmlns:a14="http://schemas.microsoft.com/office/drawing/2010/main" Requires="a14">
           <p:sp>
             <p:nvSpPr>
               <p:cNvPr id="3" name="Объект 2"/>
@@ -15368,7 +15404,13 @@
                             <a:rPr lang="en-US" b="0" i="1" smtClean="0">
                               <a:latin typeface="Cambria Math" panose="02040503050406030204" pitchFamily="18" charset="0"/>
                             </a:rPr>
-                            <m:t>10</m:t>
+                            <m:t>1</m:t>
+                          </m:r>
+                          <m:r>
+                            <a:rPr lang="en-US" b="0" i="1" smtClean="0">
+                              <a:latin typeface="Cambria Math" panose="02040503050406030204" pitchFamily="18" charset="0"/>
+                            </a:rPr>
+                            <m:t>1</m:t>
                           </m:r>
                         </m:sub>
                       </m:sSub>
@@ -15423,10 +15465,10 @@
                             <m:t>2</m:t>
                           </m:r>
                           <m:r>
-                            <a:rPr lang="en-US" i="1">
-                              <a:latin typeface="Cambria Math" panose="02040503050406030204" pitchFamily="18" charset="0"/>
-                            </a:rPr>
-                            <m:t>0</m:t>
+                            <a:rPr lang="en-US" b="0" i="1" smtClean="0">
+                              <a:latin typeface="Cambria Math" panose="02040503050406030204" pitchFamily="18" charset="0"/>
+                            </a:rPr>
+                            <m:t>1</m:t>
                           </m:r>
                         </m:sub>
                       </m:sSub>
@@ -15481,10 +15523,10 @@
                             <m:t>3</m:t>
                           </m:r>
                           <m:r>
-                            <a:rPr lang="en-US" i="1">
-                              <a:latin typeface="Cambria Math" panose="02040503050406030204" pitchFamily="18" charset="0"/>
-                            </a:rPr>
-                            <m:t>0</m:t>
+                            <a:rPr lang="en-US" b="0" i="1" smtClean="0">
+                              <a:latin typeface="Cambria Math" panose="02040503050406030204" pitchFamily="18" charset="0"/>
+                            </a:rPr>
+                            <m:t>1</m:t>
                           </m:r>
                         </m:sub>
                       </m:sSub>
@@ -15536,7 +15578,13 @@
                             <a:rPr lang="en-US" b="0" i="1" smtClean="0">
                               <a:latin typeface="Cambria Math" panose="02040503050406030204" pitchFamily="18" charset="0"/>
                             </a:rPr>
-                            <m:t>11</m:t>
+                            <m:t>1</m:t>
+                          </m:r>
+                          <m:r>
+                            <a:rPr lang="en-US" b="0" i="1" smtClean="0">
+                              <a:latin typeface="Cambria Math" panose="02040503050406030204" pitchFamily="18" charset="0"/>
+                            </a:rPr>
+                            <m:t>2</m:t>
                           </m:r>
                         </m:sub>
                       </m:sSub>
@@ -15588,7 +15636,13 @@
                             <a:rPr lang="en-US" b="0" i="1" smtClean="0">
                               <a:latin typeface="Cambria Math" panose="02040503050406030204" pitchFamily="18" charset="0"/>
                             </a:rPr>
-                            <m:t>21</m:t>
+                            <m:t>2</m:t>
+                          </m:r>
+                          <m:r>
+                            <a:rPr lang="en-US" b="0" i="1" smtClean="0">
+                              <a:latin typeface="Cambria Math" panose="02040503050406030204" pitchFamily="18" charset="0"/>
+                            </a:rPr>
+                            <m:t>2</m:t>
                           </m:r>
                         </m:sub>
                       </m:sSub>
@@ -15640,7 +15694,13 @@
                             <a:rPr lang="en-US" b="0" i="1" smtClean="0">
                               <a:latin typeface="Cambria Math" panose="02040503050406030204" pitchFamily="18" charset="0"/>
                             </a:rPr>
-                            <m:t>31</m:t>
+                            <m:t>3</m:t>
+                          </m:r>
+                          <m:r>
+                            <a:rPr lang="en-US" b="0" i="1" smtClean="0">
+                              <a:latin typeface="Cambria Math" panose="02040503050406030204" pitchFamily="18" charset="0"/>
+                            </a:rPr>
+                            <m:t>2</m:t>
                           </m:r>
                         </m:sub>
                       </m:sSub>
@@ -15670,7 +15730,7 @@
             </p:txBody>
           </p:sp>
         </mc:Choice>
-        <mc:Fallback xmlns="">
+        <mc:Fallback>
           <p:sp>
             <p:nvSpPr>
               <p:cNvPr id="3" name="Объект 2"/>
@@ -15756,8 +15816,8 @@
           </a:p>
         </p:txBody>
       </p:sp>
-      <mc:AlternateContent xmlns:mc="http://schemas.openxmlformats.org/markup-compatibility/2006" xmlns:a14="http://schemas.microsoft.com/office/drawing/2010/main">
-        <mc:Choice Requires="a14">
+      <mc:AlternateContent xmlns:mc="http://schemas.openxmlformats.org/markup-compatibility/2006">
+        <mc:Choice xmlns:a14="http://schemas.microsoft.com/office/drawing/2010/main" Requires="a14">
           <p:sp>
             <p:nvSpPr>
               <p:cNvPr id="3" name="Объект 2"/>
@@ -15810,7 +15870,7 @@
                           <a:rPr lang="en-US" b="0" i="1" smtClean="0">
                             <a:latin typeface="Cambria Math" panose="02040503050406030204" pitchFamily="18" charset="0"/>
                           </a:rPr>
-                          <m:t>0</m:t>
+                          <m:t>1</m:t>
                         </m:r>
                       </m:sub>
                     </m:sSub>
@@ -16448,7 +16508,7 @@
             </p:txBody>
           </p:sp>
         </mc:Choice>
-        <mc:Fallback xmlns="">
+        <mc:Fallback>
           <p:sp>
             <p:nvSpPr>
               <p:cNvPr id="3" name="Объект 2"/>
@@ -16538,8 +16598,8 @@
           </a:p>
         </p:txBody>
       </p:sp>
-      <mc:AlternateContent xmlns:mc="http://schemas.openxmlformats.org/markup-compatibility/2006" xmlns:a14="http://schemas.microsoft.com/office/drawing/2010/main">
-        <mc:Choice Requires="a14">
+      <mc:AlternateContent xmlns:mc="http://schemas.openxmlformats.org/markup-compatibility/2006">
+        <mc:Choice xmlns:a14="http://schemas.microsoft.com/office/drawing/2010/main" Requires="a14">
           <p:sp>
             <p:nvSpPr>
               <p:cNvPr id="3" name="Объект 2"/>
@@ -16592,7 +16652,7 @@
                           <a:rPr lang="en-US" b="0" i="1" smtClean="0">
                             <a:latin typeface="Cambria Math" panose="02040503050406030204" pitchFamily="18" charset="0"/>
                           </a:rPr>
-                          <m:t>1</m:t>
+                          <m:t>2</m:t>
                         </m:r>
                       </m:sub>
                     </m:sSub>
@@ -17236,7 +17296,7 @@
             </p:txBody>
           </p:sp>
         </mc:Choice>
-        <mc:Fallback xmlns="">
+        <mc:Fallback>
           <p:sp>
             <p:nvSpPr>
               <p:cNvPr id="3" name="Объект 2"/>
@@ -17326,8 +17386,8 @@
           </a:p>
         </p:txBody>
       </p:sp>
-      <mc:AlternateContent xmlns:mc="http://schemas.openxmlformats.org/markup-compatibility/2006" xmlns:a14="http://schemas.microsoft.com/office/drawing/2010/main">
-        <mc:Choice Requires="a14">
+      <mc:AlternateContent xmlns:mc="http://schemas.openxmlformats.org/markup-compatibility/2006">
+        <mc:Choice xmlns:a14="http://schemas.microsoft.com/office/drawing/2010/main" Requires="a14">
           <p:sp>
             <p:nvSpPr>
               <p:cNvPr id="3" name="Объект 2"/>
@@ -17377,10 +17437,10 @@
                       </m:e>
                       <m:sub>
                         <m:r>
-                          <a:rPr lang="en-US" i="1">
+                          <a:rPr lang="en-US" b="0" i="1" smtClean="0">
                             <a:latin typeface="Cambria Math" panose="02040503050406030204" pitchFamily="18" charset="0"/>
                           </a:rPr>
-                          <m:t>0</m:t>
+                          <m:t>1</m:t>
                         </m:r>
                       </m:sub>
                     </m:sSub>
@@ -17446,10 +17506,10 @@
                       </m:e>
                       <m:sub>
                         <m:r>
-                          <a:rPr lang="en-US" i="1">
+                          <a:rPr lang="en-US" b="0" i="1" smtClean="0">
                             <a:latin typeface="Cambria Math" panose="02040503050406030204" pitchFamily="18" charset="0"/>
                           </a:rPr>
-                          <m:t>1</m:t>
+                          <m:t>2</m:t>
                         </m:r>
                       </m:sub>
                     </m:sSub>
@@ -17521,10 +17581,10 @@
                       </m:e>
                       <m:sub>
                         <m:r>
-                          <a:rPr lang="en-US" i="1">
+                          <a:rPr lang="en-US" b="0" i="1" smtClean="0">
                             <a:latin typeface="Cambria Math" panose="02040503050406030204" pitchFamily="18" charset="0"/>
                           </a:rPr>
-                          <m:t>1</m:t>
+                          <m:t>2</m:t>
                         </m:r>
                       </m:sub>
                     </m:sSub>
@@ -17538,7 +17598,7 @@
             </p:txBody>
           </p:sp>
         </mc:Choice>
-        <mc:Fallback xmlns="">
+        <mc:Fallback>
           <p:sp>
             <p:nvSpPr>
               <p:cNvPr id="3" name="Объект 2"/>
